--- a/Farming_advisor.pptx
+++ b/Farming_advisor.pptx
@@ -5,17 +5,18 @@
     <p:sldMasterId id="2147483768" r:id="rId4"/>
   </p:sldMasterIdLst>
   <p:notesMasterIdLst>
-    <p:notesMasterId r:id="rId10"/>
+    <p:notesMasterId r:id="rId11"/>
   </p:notesMasterIdLst>
   <p:handoutMasterIdLst>
-    <p:handoutMasterId r:id="rId11"/>
+    <p:handoutMasterId r:id="rId12"/>
   </p:handoutMasterIdLst>
   <p:sldIdLst>
     <p:sldId id="256" r:id="rId5"/>
     <p:sldId id="258" r:id="rId6"/>
-    <p:sldId id="259" r:id="rId7"/>
-    <p:sldId id="262" r:id="rId8"/>
-    <p:sldId id="260" r:id="rId9"/>
+    <p:sldId id="263" r:id="rId7"/>
+    <p:sldId id="259" r:id="rId8"/>
+    <p:sldId id="262" r:id="rId9"/>
+    <p:sldId id="260" r:id="rId10"/>
   </p:sldIdLst>
   <p:sldSz cx="12192000" cy="6858000"/>
   <p:notesSz cx="6858000" cy="9144000"/>
@@ -7136,7 +7137,7 @@
           <a:p>
             <a:fld id="{ECD963B1-226B-4B24-8975-7DD28730789D}" type="datetimeFigureOut">
               <a:rPr lang="en-US" smtClean="0"/>
-              <a:t>7/22/2025</a:t>
+              <a:t>7/26/2025</a:t>
             </a:fld>
             <a:endParaRPr lang="en-US" dirty="0"/>
           </a:p>
@@ -7313,7 +7314,7 @@
           <a:p>
             <a:fld id="{62C0BE83-1F76-412F-817F-6B87541A62B7}" type="datetimeFigureOut">
               <a:rPr lang="en-US" smtClean="0"/>
-              <a:t>7/22/2025</a:t>
+              <a:t>7/26/2025</a:t>
             </a:fld>
             <a:endParaRPr lang="en-US" dirty="0"/>
           </a:p>
@@ -7813,7 +7814,7 @@
           <a:p>
             <a:fld id="{6CB54AA9-D1C5-4A71-8BC1-393246244DDE}" type="slidenum">
               <a:rPr lang="en-US" smtClean="0"/>
-              <a:t>3</a:t>
+              <a:t>4</a:t>
             </a:fld>
             <a:endParaRPr lang="en-US" dirty="0"/>
           </a:p>
@@ -7897,7 +7898,7 @@
           <a:p>
             <a:fld id="{6CB54AA9-D1C5-4A71-8BC1-393246244DDE}" type="slidenum">
               <a:rPr lang="en-US" smtClean="0"/>
-              <a:t>4</a:t>
+              <a:t>5</a:t>
             </a:fld>
             <a:endParaRPr lang="en-US" dirty="0"/>
           </a:p>
@@ -7981,7 +7982,7 @@
           <a:p>
             <a:fld id="{6CB54AA9-D1C5-4A71-8BC1-393246244DDE}" type="slidenum">
               <a:rPr lang="en-US" smtClean="0"/>
-              <a:t>5</a:t>
+              <a:t>6</a:t>
             </a:fld>
             <a:endParaRPr lang="en-US" dirty="0"/>
           </a:p>
@@ -8470,7 +8471,7 @@
           <a:p>
             <a:fld id="{03FCE02C-6EC6-4E09-BC2C-9FDED4DE236E}" type="datetimeFigureOut">
               <a:rPr lang="en-US" dirty="0"/>
-              <a:t>7/22/2025</a:t>
+              <a:t>7/26/2025</a:t>
             </a:fld>
             <a:endParaRPr lang="en-US" dirty="0"/>
           </a:p>
@@ -8671,7 +8672,7 @@
             <a:fld id="{FB075A7A-4A9A-410F-B848-AB998ACC9419}" type="datetimeFigureOut">
               <a:rPr lang="en-US" dirty="0"/>
               <a:pPr/>
-              <a:t>7/22/2025</a:t>
+              <a:t>7/26/2025</a:t>
             </a:fld>
             <a:endParaRPr lang="en-US" dirty="0"/>
           </a:p>
@@ -8872,7 +8873,7 @@
             <a:fld id="{AA5F3E88-2D66-4D17-B0FA-EA13CB20B2FF}" type="datetimeFigureOut">
               <a:rPr lang="en-US" dirty="0"/>
               <a:pPr/>
-              <a:t>7/22/2025</a:t>
+              <a:t>7/26/2025</a:t>
             </a:fld>
             <a:endParaRPr lang="en-US" dirty="0"/>
           </a:p>
@@ -9075,7 +9076,7 @@
             <a:fld id="{4D8F36E1-9596-4E98-8786-4A17C5D29C65}" type="datetimeFigureOut">
               <a:rPr lang="en-US" dirty="0"/>
               <a:pPr/>
-              <a:t>7/22/2025</a:t>
+              <a:t>7/26/2025</a:t>
             </a:fld>
             <a:endParaRPr lang="en-US" dirty="0"/>
           </a:p>
@@ -9669,7 +9670,7 @@
           <a:p>
             <a:fld id="{EE4D1A55-63BC-4BA2-9538-7DDEADA10621}" type="datetimeFigureOut">
               <a:rPr lang="en-US" dirty="0"/>
-              <a:t>7/22/2025</a:t>
+              <a:t>7/26/2025</a:t>
             </a:fld>
             <a:endParaRPr lang="en-US" dirty="0"/>
           </a:p>
@@ -9988,7 +9989,7 @@
             <a:fld id="{66D01ABB-8821-4BF5-97A9-E1A66ACAEAA9}" type="datetimeFigureOut">
               <a:rPr lang="en-US" dirty="0"/>
               <a:pPr/>
-              <a:t>7/22/2025</a:t>
+              <a:t>7/26/2025</a:t>
             </a:fld>
             <a:endParaRPr lang="en-US" dirty="0"/>
           </a:p>
@@ -10446,7 +10447,7 @@
             <a:fld id="{20C37B1C-D4A1-4A4F-A470-80868146AFC5}" type="datetimeFigureOut">
               <a:rPr lang="en-US" dirty="0"/>
               <a:pPr/>
-              <a:t>7/22/2025</a:t>
+              <a:t>7/26/2025</a:t>
             </a:fld>
             <a:endParaRPr lang="en-US" dirty="0"/>
           </a:p>
@@ -10585,7 +10586,7 @@
             <a:fld id="{6D31D1B9-F39E-471E-80A9-595CAA5664AD}" type="datetimeFigureOut">
               <a:rPr lang="en-US" dirty="0"/>
               <a:pPr/>
-              <a:t>7/22/2025</a:t>
+              <a:t>7/26/2025</a:t>
             </a:fld>
             <a:endParaRPr lang="en-US" dirty="0"/>
           </a:p>
@@ -10701,7 +10702,7 @@
             <a:fld id="{33FCEABC-E2B9-4606-A74F-CB06AF596887}" type="datetimeFigureOut">
               <a:rPr lang="en-US" dirty="0"/>
               <a:pPr/>
-              <a:t>7/22/2025</a:t>
+              <a:t>7/26/2025</a:t>
             </a:fld>
             <a:endParaRPr lang="en-US" dirty="0"/>
           </a:p>
@@ -11121,7 +11122,7 @@
             <a:fld id="{FA8850A0-01A3-4F4E-AA52-F716A9BFD4EB}" type="datetimeFigureOut">
               <a:rPr lang="en-US" dirty="0"/>
               <a:pPr/>
-              <a:t>7/22/2025</a:t>
+              <a:t>7/26/2025</a:t>
             </a:fld>
             <a:endParaRPr lang="en-US" dirty="0"/>
           </a:p>
@@ -11559,7 +11560,7 @@
           <a:p>
             <a:fld id="{E5811CCA-BB49-46C7-A0E2-F42339750F9A}" type="datetimeFigureOut">
               <a:rPr lang="en-US" dirty="0"/>
-              <a:t>7/22/2025</a:t>
+              <a:t>7/26/2025</a:t>
             </a:fld>
             <a:endParaRPr lang="en-US" dirty="0"/>
           </a:p>
@@ -11850,7 +11851,7 @@
           <a:p>
             <a:fld id="{17205CAA-4E5A-4223-BD55-C5D2841AC9EF}" type="datetimeFigureOut">
               <a:rPr lang="en-US" dirty="0"/>
-              <a:t>7/22/2025</a:t>
+              <a:t>7/26/2025</a:t>
             </a:fld>
             <a:endParaRPr lang="en-US" dirty="0"/>
           </a:p>
@@ -13357,6 +13358,116 @@
 <file path=ppt/slides/slide3.xml><?xml version="1.0" encoding="utf-8"?>
 <p:sld xmlns:a="http://schemas.openxmlformats.org/drawingml/2006/main" xmlns:r="http://schemas.openxmlformats.org/officeDocument/2006/relationships" xmlns:p="http://schemas.openxmlformats.org/presentationml/2006/main">
   <p:cSld>
+    <p:spTree>
+      <p:nvGrpSpPr>
+        <p:cNvPr id="1" name=""/>
+        <p:cNvGrpSpPr/>
+        <p:nvPr/>
+      </p:nvGrpSpPr>
+      <p:grpSpPr>
+        <a:xfrm>
+          <a:off x="0" y="0"/>
+          <a:ext cx="0" cy="0"/>
+          <a:chOff x="0" y="0"/>
+          <a:chExt cx="0" cy="0"/>
+        </a:xfrm>
+      </p:grpSpPr>
+      <p:sp>
+        <p:nvSpPr>
+          <p:cNvPr id="2" name="Title 1">
+            <a:extLst>
+              <a:ext uri="{FF2B5EF4-FFF2-40B4-BE49-F238E27FC236}">
+                <a16:creationId xmlns:a16="http://schemas.microsoft.com/office/drawing/2014/main" id="{CAAA137F-0A65-4949-DB1A-B3333059F23E}"/>
+              </a:ext>
+            </a:extLst>
+          </p:cNvPr>
+          <p:cNvSpPr>
+            <a:spLocks noGrp="1"/>
+          </p:cNvSpPr>
+          <p:nvPr>
+            <p:ph type="title"/>
+          </p:nvPr>
+        </p:nvSpPr>
+        <p:spPr/>
+        <p:txBody>
+          <a:bodyPr/>
+          <a:lstStyle/>
+          <a:p>
+            <a:r>
+              <a:rPr lang="en-IN" dirty="0"/>
+              <a:t>Datasets Used</a:t>
+            </a:r>
+          </a:p>
+        </p:txBody>
+      </p:sp>
+      <p:sp>
+        <p:nvSpPr>
+          <p:cNvPr id="3" name="Content Placeholder 2">
+            <a:extLst>
+              <a:ext uri="{FF2B5EF4-FFF2-40B4-BE49-F238E27FC236}">
+                <a16:creationId xmlns:a16="http://schemas.microsoft.com/office/drawing/2014/main" id="{0E6A7DFC-DC18-4A3E-8549-CCFC4430D83B}"/>
+              </a:ext>
+            </a:extLst>
+          </p:cNvPr>
+          <p:cNvSpPr>
+            <a:spLocks noGrp="1"/>
+          </p:cNvSpPr>
+          <p:nvPr>
+            <p:ph idx="1"/>
+          </p:nvPr>
+        </p:nvSpPr>
+        <p:spPr/>
+        <p:txBody>
+          <a:bodyPr/>
+          <a:lstStyle/>
+          <a:p>
+            <a:r>
+              <a:rPr lang="en-IN" dirty="0"/>
+              <a:t>Plant Disease Prediction:</a:t>
+            </a:r>
+          </a:p>
+          <a:p>
+            <a:pPr lvl="1"/>
+            <a:endParaRPr lang="en-IN" dirty="0"/>
+          </a:p>
+          <a:p>
+            <a:r>
+              <a:rPr lang="en-IN" dirty="0"/>
+              <a:t>Crop Recommendation:</a:t>
+            </a:r>
+          </a:p>
+          <a:p>
+            <a:pPr lvl="1"/>
+            <a:r>
+              <a:rPr lang="en-IN" dirty="0">
+                <a:hlinkClick r:id="rId2"/>
+              </a:rPr>
+              <a:t>https://www.kaggle.com/datasets/atharvaingle/crop-recommendation-dataset/data</a:t>
+            </a:r>
+            <a:endParaRPr lang="en-IN" dirty="0"/>
+          </a:p>
+          <a:p>
+            <a:pPr lvl="1"/>
+            <a:endParaRPr lang="en-IN" dirty="0"/>
+          </a:p>
+        </p:txBody>
+      </p:sp>
+    </p:spTree>
+    <p:extLst>
+      <p:ext uri="{BB962C8B-B14F-4D97-AF65-F5344CB8AC3E}">
+        <p14:creationId xmlns:p14="http://schemas.microsoft.com/office/powerpoint/2010/main" val="2784726286"/>
+      </p:ext>
+    </p:extLst>
+  </p:cSld>
+  <p:clrMapOvr>
+    <a:masterClrMapping/>
+  </p:clrMapOvr>
+</p:sld>
+</file>
+
+<file path=ppt/slides/slide4.xml><?xml version="1.0" encoding="utf-8"?>
+<p:sld xmlns:a="http://schemas.openxmlformats.org/drawingml/2006/main" xmlns:r="http://schemas.openxmlformats.org/officeDocument/2006/relationships" xmlns:p="http://schemas.openxmlformats.org/presentationml/2006/main">
+  <p:cSld>
     <p:bg>
       <p:bgPr>
         <a:solidFill>
@@ -13744,7 +13855,7 @@
 </p:sld>
 </file>
 
-<file path=ppt/slides/slide4.xml><?xml version="1.0" encoding="utf-8"?>
+<file path=ppt/slides/slide5.xml><?xml version="1.0" encoding="utf-8"?>
 <p:sld xmlns:a="http://schemas.openxmlformats.org/drawingml/2006/main" xmlns:r="http://schemas.openxmlformats.org/officeDocument/2006/relationships" xmlns:p="http://schemas.openxmlformats.org/presentationml/2006/main">
   <p:cSld>
     <p:bg>
@@ -13970,7 +14081,7 @@
 </p:sld>
 </file>
 
-<file path=ppt/slides/slide5.xml><?xml version="1.0" encoding="utf-8"?>
+<file path=ppt/slides/slide6.xml><?xml version="1.0" encoding="utf-8"?>
 <p:sld xmlns:a="http://schemas.openxmlformats.org/drawingml/2006/main" xmlns:r="http://schemas.openxmlformats.org/officeDocument/2006/relationships" xmlns:p="http://schemas.openxmlformats.org/presentationml/2006/main">
   <p:cSld>
     <p:bg>
@@ -15783,15 +15894,6 @@
 </file>
 
 <file path=customXml/item2.xml><?xml version="1.0" encoding="utf-8"?>
-<?mso-contentType ?>
-<FormTemplates xmlns="http://schemas.microsoft.com/sharepoint/v3/contenttype/forms">
-  <Display>DocumentLibraryForm</Display>
-  <Edit>DocumentLibraryForm</Edit>
-  <New>DocumentLibraryForm</New>
-</FormTemplates>
-</file>
-
-<file path=customXml/item3.xml><?xml version="1.0" encoding="utf-8"?>
 <ct:contentTypeSchema xmlns:ct="http://schemas.microsoft.com/office/2006/metadata/contentType" xmlns:ma="http://schemas.microsoft.com/office/2006/metadata/properties/metaAttributes" ct:_="" ma:_="" ma:contentTypeName="Document" ma:contentTypeID="0x01010079F111ED35F8CC479449609E8A0923A6" ma:contentTypeVersion="12" ma:contentTypeDescription="Create a new document." ma:contentTypeScope="" ma:versionID="93813dd7ca6ad654711aa0ab317e03a3">
   <xsd:schema xmlns:xsd="http://www.w3.org/2001/XMLSchema" xmlns:xs="http://www.w3.org/2001/XMLSchema" xmlns:p="http://schemas.microsoft.com/office/2006/metadata/properties" xmlns:ns2="71af3243-3dd4-4a8d-8c0d-dd76da1f02a5" xmlns:ns3="16c05727-aa75-4e4a-9b5f-8a80a1165891" targetNamespace="http://schemas.microsoft.com/office/2006/metadata/properties" ma:root="true" ma:fieldsID="f11dc0ce689dd3925e84e4e35398c6e7" ns2:_="" ns3:_="">
     <xsd:import namespace="71af3243-3dd4-4a8d-8c0d-dd76da1f02a5"/>
@@ -16012,6 +16114,15 @@
 </ct:contentTypeSchema>
 </file>
 
+<file path=customXml/item3.xml><?xml version="1.0" encoding="utf-8"?>
+<?mso-contentType ?>
+<FormTemplates xmlns="http://schemas.microsoft.com/sharepoint/v3/contenttype/forms">
+  <Display>DocumentLibraryForm</Display>
+  <Edit>DocumentLibraryForm</Edit>
+  <New>DocumentLibraryForm</New>
+</FormTemplates>
+</file>
+
 <file path=customXml/itemProps1.xml><?xml version="1.0" encoding="utf-8"?>
 <ds:datastoreItem xmlns:ds="http://schemas.openxmlformats.org/officeDocument/2006/customXml" ds:itemID="{B9FC83A0-AB98-4659-ACD5-D2185007C703}">
   <ds:schemaRefs>
@@ -16023,14 +16134,6 @@
 </file>
 
 <file path=customXml/itemProps2.xml><?xml version="1.0" encoding="utf-8"?>
-<ds:datastoreItem xmlns:ds="http://schemas.openxmlformats.org/officeDocument/2006/customXml" ds:itemID="{B3949939-2C9E-4399-80BE-3FEFB064CF1C}">
-  <ds:schemaRefs>
-    <ds:schemaRef ds:uri="http://schemas.microsoft.com/sharepoint/v3/contenttype/forms"/>
-  </ds:schemaRefs>
-</ds:datastoreItem>
-</file>
-
-<file path=customXml/itemProps3.xml><?xml version="1.0" encoding="utf-8"?>
 <ds:datastoreItem xmlns:ds="http://schemas.openxmlformats.org/officeDocument/2006/customXml" ds:itemID="{62B7C465-BD8F-4B6A-8925-267AB00CDBA0}">
   <ds:schemaRefs>
     <ds:schemaRef ds:uri="http://schemas.microsoft.com/office/2006/metadata/contentType"/>
@@ -16047,4 +16150,12 @@
     <ds:schemaRef ds:uri="http://schemas.microsoft.com/internal/obd"/>
   </ds:schemaRefs>
 </ds:datastoreItem>
+</file>
+
+<file path=customXml/itemProps3.xml><?xml version="1.0" encoding="utf-8"?>
+<ds:datastoreItem xmlns:ds="http://schemas.openxmlformats.org/officeDocument/2006/customXml" ds:itemID="{B3949939-2C9E-4399-80BE-3FEFB064CF1C}">
+  <ds:schemaRefs>
+    <ds:schemaRef ds:uri="http://schemas.microsoft.com/sharepoint/v3/contenttype/forms"/>
+  </ds:schemaRefs>
+</ds:datastoreItem>
 </file>
--- a/Farming_advisor.pptx
+++ b/Farming_advisor.pptx
@@ -617,6 +617,7 @@
     </c:legend>
     <c:plotVisOnly val="1"/>
     <c:dispBlanksAs val="gap"/>
+    <c:showDLblsOverMax val="0"/>
     <c:extLst>
       <c:ext xmlns:c16r3="http://schemas.microsoft.com/office/drawing/2017/03/chart" uri="{56B9EC1D-385E-4148-901F-78D8002777C0}">
         <c16r3:dataDisplayOptions16>
@@ -624,7 +625,6 @@
         </c16r3:dataDisplayOptions16>
       </c:ext>
     </c:extLst>
-    <c:showDLblsOverMax val="0"/>
   </c:chart>
   <c:spPr>
     <a:gradFill flip="none" rotWithShape="1">
@@ -7137,7 +7137,7 @@
           <a:p>
             <a:fld id="{ECD963B1-226B-4B24-8975-7DD28730789D}" type="datetimeFigureOut">
               <a:rPr lang="en-US" smtClean="0"/>
-              <a:t>7/26/2025</a:t>
+              <a:t>8/11/2025</a:t>
             </a:fld>
             <a:endParaRPr lang="en-US" dirty="0"/>
           </a:p>
@@ -7314,7 +7314,7 @@
           <a:p>
             <a:fld id="{62C0BE83-1F76-412F-817F-6B87541A62B7}" type="datetimeFigureOut">
               <a:rPr lang="en-US" smtClean="0"/>
-              <a:t>7/26/2025</a:t>
+              <a:t>8/11/2025</a:t>
             </a:fld>
             <a:endParaRPr lang="en-US" dirty="0"/>
           </a:p>
@@ -8471,7 +8471,7 @@
           <a:p>
             <a:fld id="{03FCE02C-6EC6-4E09-BC2C-9FDED4DE236E}" type="datetimeFigureOut">
               <a:rPr lang="en-US" dirty="0"/>
-              <a:t>7/26/2025</a:t>
+              <a:t>8/11/2025</a:t>
             </a:fld>
             <a:endParaRPr lang="en-US" dirty="0"/>
           </a:p>
@@ -8672,7 +8672,7 @@
             <a:fld id="{FB075A7A-4A9A-410F-B848-AB998ACC9419}" type="datetimeFigureOut">
               <a:rPr lang="en-US" dirty="0"/>
               <a:pPr/>
-              <a:t>7/26/2025</a:t>
+              <a:t>8/11/2025</a:t>
             </a:fld>
             <a:endParaRPr lang="en-US" dirty="0"/>
           </a:p>
@@ -8873,7 +8873,7 @@
             <a:fld id="{AA5F3E88-2D66-4D17-B0FA-EA13CB20B2FF}" type="datetimeFigureOut">
               <a:rPr lang="en-US" dirty="0"/>
               <a:pPr/>
-              <a:t>7/26/2025</a:t>
+              <a:t>8/11/2025</a:t>
             </a:fld>
             <a:endParaRPr lang="en-US" dirty="0"/>
           </a:p>
@@ -9076,7 +9076,7 @@
             <a:fld id="{4D8F36E1-9596-4E98-8786-4A17C5D29C65}" type="datetimeFigureOut">
               <a:rPr lang="en-US" dirty="0"/>
               <a:pPr/>
-              <a:t>7/26/2025</a:t>
+              <a:t>8/11/2025</a:t>
             </a:fld>
             <a:endParaRPr lang="en-US" dirty="0"/>
           </a:p>
@@ -9670,7 +9670,7 @@
           <a:p>
             <a:fld id="{EE4D1A55-63BC-4BA2-9538-7DDEADA10621}" type="datetimeFigureOut">
               <a:rPr lang="en-US" dirty="0"/>
-              <a:t>7/26/2025</a:t>
+              <a:t>8/11/2025</a:t>
             </a:fld>
             <a:endParaRPr lang="en-US" dirty="0"/>
           </a:p>
@@ -9989,7 +9989,7 @@
             <a:fld id="{66D01ABB-8821-4BF5-97A9-E1A66ACAEAA9}" type="datetimeFigureOut">
               <a:rPr lang="en-US" dirty="0"/>
               <a:pPr/>
-              <a:t>7/26/2025</a:t>
+              <a:t>8/11/2025</a:t>
             </a:fld>
             <a:endParaRPr lang="en-US" dirty="0"/>
           </a:p>
@@ -10447,7 +10447,7 @@
             <a:fld id="{20C37B1C-D4A1-4A4F-A470-80868146AFC5}" type="datetimeFigureOut">
               <a:rPr lang="en-US" dirty="0"/>
               <a:pPr/>
-              <a:t>7/26/2025</a:t>
+              <a:t>8/11/2025</a:t>
             </a:fld>
             <a:endParaRPr lang="en-US" dirty="0"/>
           </a:p>
@@ -10586,7 +10586,7 @@
             <a:fld id="{6D31D1B9-F39E-471E-80A9-595CAA5664AD}" type="datetimeFigureOut">
               <a:rPr lang="en-US" dirty="0"/>
               <a:pPr/>
-              <a:t>7/26/2025</a:t>
+              <a:t>8/11/2025</a:t>
             </a:fld>
             <a:endParaRPr lang="en-US" dirty="0"/>
           </a:p>
@@ -10702,7 +10702,7 @@
             <a:fld id="{33FCEABC-E2B9-4606-A74F-CB06AF596887}" type="datetimeFigureOut">
               <a:rPr lang="en-US" dirty="0"/>
               <a:pPr/>
-              <a:t>7/26/2025</a:t>
+              <a:t>8/11/2025</a:t>
             </a:fld>
             <a:endParaRPr lang="en-US" dirty="0"/>
           </a:p>
@@ -11122,7 +11122,7 @@
             <a:fld id="{FA8850A0-01A3-4F4E-AA52-F716A9BFD4EB}" type="datetimeFigureOut">
               <a:rPr lang="en-US" dirty="0"/>
               <a:pPr/>
-              <a:t>7/26/2025</a:t>
+              <a:t>8/11/2025</a:t>
             </a:fld>
             <a:endParaRPr lang="en-US" dirty="0"/>
           </a:p>
@@ -11560,7 +11560,7 @@
           <a:p>
             <a:fld id="{E5811CCA-BB49-46C7-A0E2-F42339750F9A}" type="datetimeFigureOut">
               <a:rPr lang="en-US" dirty="0"/>
-              <a:t>7/26/2025</a:t>
+              <a:t>8/11/2025</a:t>
             </a:fld>
             <a:endParaRPr lang="en-US" dirty="0"/>
           </a:p>
@@ -11851,7 +11851,7 @@
           <a:p>
             <a:fld id="{17205CAA-4E5A-4223-BD55-C5D2841AC9EF}" type="datetimeFigureOut">
               <a:rPr lang="en-US" dirty="0"/>
-              <a:t>7/26/2025</a:t>
+              <a:t>8/11/2025</a:t>
             </a:fld>
             <a:endParaRPr lang="en-US" dirty="0"/>
           </a:p>
@@ -13431,6 +13431,10 @@
             <a:endParaRPr lang="en-IN" dirty="0"/>
           </a:p>
           <a:p>
+            <a:pPr lvl="1"/>
+            <a:endParaRPr lang="en-IN" dirty="0"/>
+          </a:p>
+          <a:p>
             <a:r>
               <a:rPr lang="en-IN" dirty="0"/>
               <a:t>Crop Recommendation:</a:t>
@@ -13447,7 +13451,43 @@
             <a:endParaRPr lang="en-IN" dirty="0"/>
           </a:p>
           <a:p>
+            <a:pPr marL="274320" lvl="1" indent="0">
+              <a:buNone/>
+            </a:pPr>
+            <a:endParaRPr lang="en-IN" dirty="0"/>
+          </a:p>
+          <a:p>
+            <a:r>
+              <a:rPr lang="en-IN" dirty="0"/>
+              <a:t>Fertilizer Recommendation:</a:t>
+            </a:r>
+          </a:p>
+          <a:p>
             <a:pPr lvl="1"/>
+            <a:r>
+              <a:rPr lang="en-IN" dirty="0">
+                <a:hlinkClick r:id="rId3"/>
+              </a:rPr>
+              <a:t>https://www.kaggle.com/datasets/nishchalchandel/fertilizer-recommendation</a:t>
+            </a:r>
+            <a:endParaRPr lang="en-IN" dirty="0"/>
+          </a:p>
+          <a:p>
+            <a:pPr marL="274320" lvl="1" indent="0">
+              <a:buNone/>
+            </a:pPr>
+            <a:endParaRPr lang="en-IN" dirty="0"/>
+          </a:p>
+          <a:p>
+            <a:r>
+              <a:rPr lang="en-IN" dirty="0"/>
+              <a:t>Irrigation Planning:</a:t>
+            </a:r>
+          </a:p>
+          <a:p>
+            <a:pPr marL="274320" lvl="1" indent="0">
+              <a:buNone/>
+            </a:pPr>
             <a:endParaRPr lang="en-IN" dirty="0"/>
           </a:p>
         </p:txBody>
@@ -14709,7 +14749,7 @@
         </p:nvSpPr>
         <p:spPr>
           <a:xfrm>
-            <a:off x="1561708" y="2091263"/>
+            <a:off x="1561707" y="2592708"/>
             <a:ext cx="9068586" cy="1883323"/>
           </a:xfrm>
         </p:spPr>
@@ -14721,47 +14761,7 @@
           <a:p>
             <a:r>
               <a:rPr lang="en-US" dirty="0"/>
-              <a:t>Contact us</a:t>
-            </a:r>
-          </a:p>
-        </p:txBody>
-      </p:sp>
-      <p:sp>
-        <p:nvSpPr>
-          <p:cNvPr id="3" name="Text Placeholder 2">
-            <a:extLst>
-              <a:ext uri="{FF2B5EF4-FFF2-40B4-BE49-F238E27FC236}">
-                <a16:creationId xmlns:a16="http://schemas.microsoft.com/office/drawing/2014/main" id="{459DEA66-4826-47AE-AD32-B06226F8ECC6}"/>
-              </a:ext>
-            </a:extLst>
-          </p:cNvPr>
-          <p:cNvSpPr>
-            <a:spLocks noGrp="1"/>
-          </p:cNvSpPr>
-          <p:nvPr>
-            <p:ph type="body" idx="1"/>
-          </p:nvPr>
-        </p:nvSpPr>
-        <p:spPr>
-          <a:xfrm>
-            <a:off x="1562100" y="3974586"/>
-            <a:ext cx="9070848" cy="1164677"/>
-          </a:xfrm>
-        </p:spPr>
-        <p:txBody>
-          <a:bodyPr vert="horz" lIns="91440" tIns="45720" rIns="91440" bIns="45720" rtlCol="0">
-            <a:normAutofit/>
-          </a:bodyPr>
-          <a:lstStyle/>
-          <a:p>
-            <a:pPr>
-              <a:spcBef>
-                <a:spcPts val="0"/>
-              </a:spcBef>
-            </a:pPr>
-            <a:r>
-              <a:rPr lang="en-US" spc="80" dirty="0"/>
-              <a:t>someone@example.com</a:t>
+              <a:t>Thank you</a:t>
             </a:r>
           </a:p>
         </p:txBody>
@@ -15885,12 +15885,12 @@
 </file>
 
 <file path=customXml/item1.xml><?xml version="1.0" encoding="utf-8"?>
-<p:properties xmlns:p="http://schemas.microsoft.com/office/2006/metadata/properties" xmlns:xsi="http://www.w3.org/2001/XMLSchema-instance" xmlns:pc="http://schemas.microsoft.com/office/infopath/2007/PartnerControls">
-  <documentManagement>
-    <Status xmlns="71af3243-3dd4-4a8d-8c0d-dd76da1f02a5">Not started</Status>
-    <MediaServiceKeyPoints xmlns="71af3243-3dd4-4a8d-8c0d-dd76da1f02a5" xsi:nil="true"/>
-  </documentManagement>
-</p:properties>
+<?mso-contentType ?>
+<FormTemplates xmlns="http://schemas.microsoft.com/sharepoint/v3/contenttype/forms">
+  <Display>DocumentLibraryForm</Display>
+  <Edit>DocumentLibraryForm</Edit>
+  <New>DocumentLibraryForm</New>
+</FormTemplates>
 </file>
 
 <file path=customXml/item2.xml><?xml version="1.0" encoding="utf-8"?>
@@ -16115,20 +16115,18 @@
 </file>
 
 <file path=customXml/item3.xml><?xml version="1.0" encoding="utf-8"?>
-<?mso-contentType ?>
-<FormTemplates xmlns="http://schemas.microsoft.com/sharepoint/v3/contenttype/forms">
-  <Display>DocumentLibraryForm</Display>
-  <Edit>DocumentLibraryForm</Edit>
-  <New>DocumentLibraryForm</New>
-</FormTemplates>
+<p:properties xmlns:p="http://schemas.microsoft.com/office/2006/metadata/properties" xmlns:xsi="http://www.w3.org/2001/XMLSchema-instance" xmlns:pc="http://schemas.microsoft.com/office/infopath/2007/PartnerControls">
+  <documentManagement>
+    <Status xmlns="71af3243-3dd4-4a8d-8c0d-dd76da1f02a5">Not started</Status>
+    <MediaServiceKeyPoints xmlns="71af3243-3dd4-4a8d-8c0d-dd76da1f02a5" xsi:nil="true"/>
+  </documentManagement>
+</p:properties>
 </file>
 
 <file path=customXml/itemProps1.xml><?xml version="1.0" encoding="utf-8"?>
-<ds:datastoreItem xmlns:ds="http://schemas.openxmlformats.org/officeDocument/2006/customXml" ds:itemID="{B9FC83A0-AB98-4659-ACD5-D2185007C703}">
+<ds:datastoreItem xmlns:ds="http://schemas.openxmlformats.org/officeDocument/2006/customXml" ds:itemID="{B3949939-2C9E-4399-80BE-3FEFB064CF1C}">
   <ds:schemaRefs>
-    <ds:schemaRef ds:uri="http://schemas.microsoft.com/office/2006/metadata/properties"/>
-    <ds:schemaRef ds:uri="http://schemas.microsoft.com/office/infopath/2007/PartnerControls"/>
-    <ds:schemaRef ds:uri="71af3243-3dd4-4a8d-8c0d-dd76da1f02a5"/>
+    <ds:schemaRef ds:uri="http://schemas.microsoft.com/sharepoint/v3/contenttype/forms"/>
   </ds:schemaRefs>
 </ds:datastoreItem>
 </file>
@@ -16153,9 +16151,11 @@
 </file>
 
 <file path=customXml/itemProps3.xml><?xml version="1.0" encoding="utf-8"?>
-<ds:datastoreItem xmlns:ds="http://schemas.openxmlformats.org/officeDocument/2006/customXml" ds:itemID="{B3949939-2C9E-4399-80BE-3FEFB064CF1C}">
+<ds:datastoreItem xmlns:ds="http://schemas.openxmlformats.org/officeDocument/2006/customXml" ds:itemID="{B9FC83A0-AB98-4659-ACD5-D2185007C703}">
   <ds:schemaRefs>
-    <ds:schemaRef ds:uri="http://schemas.microsoft.com/sharepoint/v3/contenttype/forms"/>
+    <ds:schemaRef ds:uri="http://schemas.microsoft.com/office/2006/metadata/properties"/>
+    <ds:schemaRef ds:uri="http://schemas.microsoft.com/office/infopath/2007/PartnerControls"/>
+    <ds:schemaRef ds:uri="71af3243-3dd4-4a8d-8c0d-dd76da1f02a5"/>
   </ds:schemaRefs>
 </ds:datastoreItem>
 </file>